--- a/2019/III. Redux/3.3 Immutable, Action, Action Creators/Immutable, Action, Action Creators.pptx
+++ b/2019/III. Redux/3.3 Immutable, Action, Action Creators/Immutable, Action, Action Creators.pptx
@@ -5,7 +5,7 @@
     <p:sldMasterId id="2147483659" r:id="rId1"/>
   </p:sldMasterIdLst>
   <p:notesMasterIdLst>
-    <p:notesMasterId r:id="rId17"/>
+    <p:notesMasterId r:id="rId12"/>
   </p:notesMasterIdLst>
   <p:sldIdLst>
     <p:sldId id="256" r:id="rId2"/>
@@ -17,20 +17,15 @@
     <p:sldId id="259" r:id="rId8"/>
     <p:sldId id="293" r:id="rId9"/>
     <p:sldId id="268" r:id="rId10"/>
-    <p:sldId id="292" r:id="rId11"/>
-    <p:sldId id="290" r:id="rId12"/>
-    <p:sldId id="276" r:id="rId13"/>
-    <p:sldId id="289" r:id="rId14"/>
-    <p:sldId id="283" r:id="rId15"/>
-    <p:sldId id="277" r:id="rId16"/>
+    <p:sldId id="277" r:id="rId11"/>
   </p:sldIdLst>
   <p:sldSz cx="9144000" cy="5143500" type="screen16x9"/>
   <p:notesSz cx="6858000" cy="9144000"/>
   <p:embeddedFontLst>
     <p:embeddedFont>
       <p:font typeface="Tahoma" panose="020B0604030504040204" pitchFamily="34" charset="0"/>
-      <p:regular r:id="rId18"/>
-      <p:bold r:id="rId19"/>
+      <p:regular r:id="rId13"/>
+      <p:bold r:id="rId14"/>
     </p:embeddedFont>
   </p:embeddedFontLst>
   <p:defaultTextStyle>
@@ -1479,224 +1474,6 @@
     <p:extLst>
       <p:ext uri="{BB962C8B-B14F-4D97-AF65-F5344CB8AC3E}">
         <p14:creationId xmlns:p14="http://schemas.microsoft.com/office/powerpoint/2010/main" val="3396889982"/>
-      </p:ext>
-    </p:extLst>
-  </p:cSld>
-  <p:clrMapOvr>
-    <a:masterClrMapping/>
-  </p:clrMapOvr>
-</p:notes>
-</file>
-
-<file path=ppt/notesSlides/notesSlide8.xml><?xml version="1.0" encoding="utf-8"?>
-<p:notes xmlns:a="http://schemas.openxmlformats.org/drawingml/2006/main" xmlns:r="http://schemas.openxmlformats.org/officeDocument/2006/relationships" xmlns:p="http://schemas.openxmlformats.org/presentationml/2006/main" showMasterSp="0" showMasterPhAnim="0">
-  <p:cSld>
-    <p:spTree>
-      <p:nvGrpSpPr>
-        <p:cNvPr id="1" name="Shape 206"/>
-        <p:cNvGrpSpPr/>
-        <p:nvPr/>
-      </p:nvGrpSpPr>
-      <p:grpSpPr>
-        <a:xfrm>
-          <a:off x="0" y="0"/>
-          <a:ext cx="0" cy="0"/>
-          <a:chOff x="0" y="0"/>
-          <a:chExt cx="0" cy="0"/>
-        </a:xfrm>
-      </p:grpSpPr>
-      <p:sp>
-        <p:nvSpPr>
-          <p:cNvPr id="207" name="Google Shape;207;g3e7ee79f0b_0_247:notes"/>
-          <p:cNvSpPr>
-            <a:spLocks noGrp="1" noRot="1" noChangeAspect="1"/>
-          </p:cNvSpPr>
-          <p:nvPr>
-            <p:ph type="sldImg" idx="2"/>
-          </p:nvPr>
-        </p:nvSpPr>
-        <p:spPr>
-          <a:xfrm>
-            <a:off x="381000" y="685800"/>
-            <a:ext cx="6096000" cy="3429000"/>
-          </a:xfrm>
-          <a:custGeom>
-            <a:avLst/>
-            <a:gdLst/>
-            <a:ahLst/>
-            <a:cxnLst/>
-            <a:rect l="0" t="0" r="0" b="0"/>
-            <a:pathLst>
-              <a:path w="120000" h="120000" extrusionOk="0">
-                <a:moveTo>
-                  <a:pt x="0" y="0"/>
-                </a:moveTo>
-                <a:lnTo>
-                  <a:pt x="120000" y="0"/>
-                </a:lnTo>
-                <a:lnTo>
-                  <a:pt x="120000" y="120000"/>
-                </a:lnTo>
-                <a:lnTo>
-                  <a:pt x="0" y="120000"/>
-                </a:lnTo>
-                <a:close/>
-              </a:path>
-            </a:pathLst>
-          </a:custGeom>
-        </p:spPr>
-      </p:sp>
-      <p:sp>
-        <p:nvSpPr>
-          <p:cNvPr id="208" name="Google Shape;208;g3e7ee79f0b_0_247:notes"/>
-          <p:cNvSpPr txBox="1">
-            <a:spLocks noGrp="1"/>
-          </p:cNvSpPr>
-          <p:nvPr>
-            <p:ph type="body" idx="1"/>
-          </p:nvPr>
-        </p:nvSpPr>
-        <p:spPr>
-          <a:xfrm>
-            <a:off x="685800" y="4343400"/>
-            <a:ext cx="5486400" cy="4114800"/>
-          </a:xfrm>
-          <a:prstGeom prst="rect">
-            <a:avLst/>
-          </a:prstGeom>
-        </p:spPr>
-        <p:txBody>
-          <a:bodyPr spcFirstLastPara="1" wrap="square" lIns="91425" tIns="91425" rIns="91425" bIns="91425" anchor="t" anchorCtr="0">
-            <a:noAutofit/>
-          </a:bodyPr>
-          <a:lstStyle/>
-          <a:p>
-            <a:pPr marL="0" lvl="0" indent="0" rtl="0">
-              <a:spcBef>
-                <a:spcPts val="0"/>
-              </a:spcBef>
-              <a:spcAft>
-                <a:spcPts val="0"/>
-              </a:spcAft>
-              <a:buNone/>
-            </a:pPr>
-            <a:endParaRPr/>
-          </a:p>
-        </p:txBody>
-      </p:sp>
-    </p:spTree>
-    <p:extLst>
-      <p:ext uri="{BB962C8B-B14F-4D97-AF65-F5344CB8AC3E}">
-        <p14:creationId xmlns:p14="http://schemas.microsoft.com/office/powerpoint/2010/main" val="1649382731"/>
-      </p:ext>
-    </p:extLst>
-  </p:cSld>
-  <p:clrMapOvr>
-    <a:masterClrMapping/>
-  </p:clrMapOvr>
-</p:notes>
-</file>
-
-<file path=ppt/notesSlides/notesSlide9.xml><?xml version="1.0" encoding="utf-8"?>
-<p:notes xmlns:a="http://schemas.openxmlformats.org/drawingml/2006/main" xmlns:r="http://schemas.openxmlformats.org/officeDocument/2006/relationships" xmlns:p="http://schemas.openxmlformats.org/presentationml/2006/main" showMasterSp="0" showMasterPhAnim="0">
-  <p:cSld>
-    <p:spTree>
-      <p:nvGrpSpPr>
-        <p:cNvPr id="1" name="Shape 206"/>
-        <p:cNvGrpSpPr/>
-        <p:nvPr/>
-      </p:nvGrpSpPr>
-      <p:grpSpPr>
-        <a:xfrm>
-          <a:off x="0" y="0"/>
-          <a:ext cx="0" cy="0"/>
-          <a:chOff x="0" y="0"/>
-          <a:chExt cx="0" cy="0"/>
-        </a:xfrm>
-      </p:grpSpPr>
-      <p:sp>
-        <p:nvSpPr>
-          <p:cNvPr id="207" name="Google Shape;207;g3e7ee79f0b_0_247:notes"/>
-          <p:cNvSpPr>
-            <a:spLocks noGrp="1" noRot="1" noChangeAspect="1"/>
-          </p:cNvSpPr>
-          <p:nvPr>
-            <p:ph type="sldImg" idx="2"/>
-          </p:nvPr>
-        </p:nvSpPr>
-        <p:spPr>
-          <a:xfrm>
-            <a:off x="381000" y="685800"/>
-            <a:ext cx="6096000" cy="3429000"/>
-          </a:xfrm>
-          <a:custGeom>
-            <a:avLst/>
-            <a:gdLst/>
-            <a:ahLst/>
-            <a:cxnLst/>
-            <a:rect l="0" t="0" r="0" b="0"/>
-            <a:pathLst>
-              <a:path w="120000" h="120000" extrusionOk="0">
-                <a:moveTo>
-                  <a:pt x="0" y="0"/>
-                </a:moveTo>
-                <a:lnTo>
-                  <a:pt x="120000" y="0"/>
-                </a:lnTo>
-                <a:lnTo>
-                  <a:pt x="120000" y="120000"/>
-                </a:lnTo>
-                <a:lnTo>
-                  <a:pt x="0" y="120000"/>
-                </a:lnTo>
-                <a:close/>
-              </a:path>
-            </a:pathLst>
-          </a:custGeom>
-        </p:spPr>
-      </p:sp>
-      <p:sp>
-        <p:nvSpPr>
-          <p:cNvPr id="208" name="Google Shape;208;g3e7ee79f0b_0_247:notes"/>
-          <p:cNvSpPr txBox="1">
-            <a:spLocks noGrp="1"/>
-          </p:cNvSpPr>
-          <p:nvPr>
-            <p:ph type="body" idx="1"/>
-          </p:nvPr>
-        </p:nvSpPr>
-        <p:spPr>
-          <a:xfrm>
-            <a:off x="685800" y="4343400"/>
-            <a:ext cx="5486400" cy="4114800"/>
-          </a:xfrm>
-          <a:prstGeom prst="rect">
-            <a:avLst/>
-          </a:prstGeom>
-        </p:spPr>
-        <p:txBody>
-          <a:bodyPr spcFirstLastPara="1" wrap="square" lIns="91425" tIns="91425" rIns="91425" bIns="91425" anchor="t" anchorCtr="0">
-            <a:noAutofit/>
-          </a:bodyPr>
-          <a:lstStyle/>
-          <a:p>
-            <a:pPr marL="0" lvl="0" indent="0" rtl="0">
-              <a:spcBef>
-                <a:spcPts val="0"/>
-              </a:spcBef>
-              <a:spcAft>
-                <a:spcPts val="0"/>
-              </a:spcAft>
-              <a:buNone/>
-            </a:pPr>
-            <a:endParaRPr/>
-          </a:p>
-        </p:txBody>
-      </p:sp>
-    </p:spTree>
-    <p:extLst>
-      <p:ext uri="{BB962C8B-B14F-4D97-AF65-F5344CB8AC3E}">
-        <p14:creationId xmlns:p14="http://schemas.microsoft.com/office/powerpoint/2010/main" val="2913612176"/>
       </p:ext>
     </p:extLst>
   </p:cSld>
@@ -5838,1588 +5615,6 @@
   <p:cSld>
     <p:spTree>
       <p:nvGrpSpPr>
-        <p:cNvPr id="1" name="Shape 209"/>
-        <p:cNvGrpSpPr/>
-        <p:nvPr/>
-      </p:nvGrpSpPr>
-      <p:grpSpPr>
-        <a:xfrm>
-          <a:off x="0" y="0"/>
-          <a:ext cx="0" cy="0"/>
-          <a:chOff x="0" y="0"/>
-          <a:chExt cx="0" cy="0"/>
-        </a:xfrm>
-      </p:grpSpPr>
-      <p:sp>
-        <p:nvSpPr>
-          <p:cNvPr id="210" name="Google Shape;210;p25"/>
-          <p:cNvSpPr/>
-          <p:nvPr/>
-        </p:nvSpPr>
-        <p:spPr>
-          <a:xfrm>
-            <a:off x="0" y="5038200"/>
-            <a:ext cx="9144000" cy="105300"/>
-          </a:xfrm>
-          <a:prstGeom prst="rect">
-            <a:avLst/>
-          </a:prstGeom>
-          <a:solidFill>
-            <a:srgbClr val="662483"/>
-          </a:solidFill>
-          <a:ln w="9525" cap="flat" cmpd="sng">
-            <a:solidFill>
-              <a:srgbClr val="662483"/>
-            </a:solidFill>
-            <a:prstDash val="solid"/>
-            <a:round/>
-            <a:headEnd type="none" w="sm" len="sm"/>
-            <a:tailEnd type="none" w="sm" len="sm"/>
-          </a:ln>
-        </p:spPr>
-        <p:txBody>
-          <a:bodyPr spcFirstLastPara="1" wrap="square" lIns="91425" tIns="91425" rIns="91425" bIns="91425" anchor="ctr" anchorCtr="0">
-            <a:noAutofit/>
-          </a:bodyPr>
-          <a:lstStyle/>
-          <a:p>
-            <a:pPr marL="0" lvl="0" indent="0">
-              <a:spcBef>
-                <a:spcPts val="0"/>
-              </a:spcBef>
-              <a:spcAft>
-                <a:spcPts val="0"/>
-              </a:spcAft>
-              <a:buNone/>
-            </a:pPr>
-            <a:endParaRPr/>
-          </a:p>
-        </p:txBody>
-      </p:sp>
-      <p:grpSp>
-        <p:nvGrpSpPr>
-          <p:cNvPr id="211" name="Google Shape;211;p25"/>
-          <p:cNvGrpSpPr/>
-          <p:nvPr/>
-        </p:nvGrpSpPr>
-        <p:grpSpPr>
-          <a:xfrm>
-            <a:off x="0" y="0"/>
-            <a:ext cx="9144000" cy="633000"/>
-            <a:chOff x="125" y="215925"/>
-            <a:chExt cx="9144000" cy="633000"/>
-          </a:xfrm>
-        </p:grpSpPr>
-        <p:sp>
-          <p:nvSpPr>
-            <p:cNvPr id="212" name="Google Shape;212;p25"/>
-            <p:cNvSpPr/>
-            <p:nvPr/>
-          </p:nvSpPr>
-          <p:spPr>
-            <a:xfrm>
-              <a:off x="125" y="215925"/>
-              <a:ext cx="9144000" cy="633000"/>
-            </a:xfrm>
-            <a:prstGeom prst="rect">
-              <a:avLst/>
-            </a:prstGeom>
-            <a:solidFill>
-              <a:srgbClr val="88AF43"/>
-            </a:solidFill>
-            <a:ln w="9525" cap="flat" cmpd="sng">
-              <a:solidFill>
-                <a:srgbClr val="88AF43"/>
-              </a:solidFill>
-              <a:prstDash val="solid"/>
-              <a:round/>
-              <a:headEnd type="none" w="sm" len="sm"/>
-              <a:tailEnd type="none" w="sm" len="sm"/>
-            </a:ln>
-          </p:spPr>
-          <p:txBody>
-            <a:bodyPr spcFirstLastPara="1" wrap="square" lIns="91425" tIns="91425" rIns="91425" bIns="91425" anchor="ctr" anchorCtr="0">
-              <a:noAutofit/>
-            </a:bodyPr>
-            <a:lstStyle/>
-            <a:p>
-              <a:pPr marL="0" lvl="0" indent="0">
-                <a:spcBef>
-                  <a:spcPts val="0"/>
-                </a:spcBef>
-                <a:spcAft>
-                  <a:spcPts val="0"/>
-                </a:spcAft>
-                <a:buNone/>
-              </a:pPr>
-              <a:endParaRPr/>
-            </a:p>
-          </p:txBody>
-        </p:sp>
-        <p:sp>
-          <p:nvSpPr>
-            <p:cNvPr id="213" name="Google Shape;213;p25"/>
-            <p:cNvSpPr txBox="1"/>
-            <p:nvPr/>
-          </p:nvSpPr>
-          <p:spPr>
-            <a:xfrm>
-              <a:off x="181650" y="285825"/>
-              <a:ext cx="7241100" cy="493200"/>
-            </a:xfrm>
-            <a:prstGeom prst="rect">
-              <a:avLst/>
-            </a:prstGeom>
-            <a:noFill/>
-            <a:ln>
-              <a:noFill/>
-            </a:ln>
-          </p:spPr>
-          <p:txBody>
-            <a:bodyPr spcFirstLastPara="1" wrap="square" lIns="91425" tIns="91425" rIns="91425" bIns="91425" anchor="t" anchorCtr="0">
-              <a:noAutofit/>
-            </a:bodyPr>
-            <a:lstStyle/>
-            <a:p>
-              <a:r>
-                <a:rPr lang="en-US" sz="2000" dirty="0">
-                  <a:solidFill>
-                    <a:schemeClr val="lt1"/>
-                  </a:solidFill>
-                  <a:latin typeface="Tahoma"/>
-                  <a:ea typeface="Tahoma"/>
-                  <a:cs typeface="Tahoma"/>
-                </a:rPr>
-                <a:t>Action – </a:t>
-              </a:r>
-              <a:r>
-                <a:rPr lang="ru-RU" sz="2000" dirty="0">
-                  <a:solidFill>
-                    <a:schemeClr val="lt1"/>
-                  </a:solidFill>
-                  <a:latin typeface="Tahoma"/>
-                  <a:ea typeface="Tahoma"/>
-                  <a:cs typeface="Tahoma"/>
-                </a:rPr>
-                <a:t>Обработка действия в приложении</a:t>
-              </a:r>
-            </a:p>
-            <a:p>
-              <a:endParaRPr lang="ru-RU" sz="2000" dirty="0">
-                <a:solidFill>
-                  <a:schemeClr val="lt1"/>
-                </a:solidFill>
-                <a:latin typeface="Tahoma"/>
-                <a:ea typeface="Tahoma"/>
-                <a:cs typeface="Tahoma"/>
-              </a:endParaRPr>
-            </a:p>
-            <a:p>
-              <a:pPr marL="0" lvl="0" indent="0" rtl="0">
-                <a:spcBef>
-                  <a:spcPts val="0"/>
-                </a:spcBef>
-                <a:spcAft>
-                  <a:spcPts val="0"/>
-                </a:spcAft>
-                <a:buNone/>
-              </a:pPr>
-              <a:endParaRPr sz="2000" dirty="0">
-                <a:solidFill>
-                  <a:srgbClr val="FFFFFF"/>
-                </a:solidFill>
-                <a:latin typeface="Tahoma"/>
-                <a:ea typeface="Tahoma"/>
-                <a:cs typeface="Tahoma"/>
-                <a:sym typeface="Tahoma"/>
-              </a:endParaRPr>
-            </a:p>
-          </p:txBody>
-        </p:sp>
-      </p:grpSp>
-      <p:sp>
-        <p:nvSpPr>
-          <p:cNvPr id="8" name="TextBox 7">
-            <a:extLst>
-              <a:ext uri="{FF2B5EF4-FFF2-40B4-BE49-F238E27FC236}">
-                <a16:creationId xmlns:a16="http://schemas.microsoft.com/office/drawing/2014/main" id="{E0BD9296-3149-9D43-A28D-3873CC7D5CD0}"/>
-              </a:ext>
-            </a:extLst>
-          </p:cNvPr>
-          <p:cNvSpPr txBox="1"/>
-          <p:nvPr/>
-        </p:nvSpPr>
-        <p:spPr>
-          <a:xfrm>
-            <a:off x="181525" y="1322364"/>
-            <a:ext cx="7133674" cy="646331"/>
-          </a:xfrm>
-          <a:prstGeom prst="rect">
-            <a:avLst/>
-          </a:prstGeom>
-          <a:noFill/>
-        </p:spPr>
-        <p:txBody>
-          <a:bodyPr wrap="square" rtlCol="0">
-            <a:spAutoFit/>
-          </a:bodyPr>
-          <a:lstStyle/>
-          <a:p>
-            <a:r>
-              <a:rPr lang="ru-RU" sz="1800" dirty="0"/>
-              <a:t>Для обновления состояния приложений нужно сообщать </a:t>
-            </a:r>
-            <a:r>
-              <a:rPr lang="en" sz="1800" b="1" dirty="0"/>
-              <a:t>action</a:t>
-            </a:r>
-            <a:r>
-              <a:rPr lang="en" sz="1800" dirty="0"/>
-              <a:t>, </a:t>
-            </a:r>
-            <a:r>
-              <a:rPr lang="ru-RU" sz="1800" dirty="0"/>
-              <a:t>неважно каким способом.</a:t>
-            </a:r>
-            <a:endParaRPr lang="ru-RU" sz="2400" dirty="0"/>
-          </a:p>
-        </p:txBody>
-      </p:sp>
-    </p:spTree>
-    <p:extLst>
-      <p:ext uri="{BB962C8B-B14F-4D97-AF65-F5344CB8AC3E}">
-        <p14:creationId xmlns:p14="http://schemas.microsoft.com/office/powerpoint/2010/main" val="1060787914"/>
-      </p:ext>
-    </p:extLst>
-  </p:cSld>
-  <p:clrMapOvr>
-    <a:masterClrMapping/>
-  </p:clrMapOvr>
-</p:sld>
-</file>
-
-<file path=ppt/slides/slide11.xml><?xml version="1.0" encoding="utf-8"?>
-<p:sld xmlns:a="http://schemas.openxmlformats.org/drawingml/2006/main" xmlns:r="http://schemas.openxmlformats.org/officeDocument/2006/relationships" xmlns:p="http://schemas.openxmlformats.org/presentationml/2006/main">
-  <p:cSld>
-    <p:spTree>
-      <p:nvGrpSpPr>
-        <p:cNvPr id="1" name="Shape 209"/>
-        <p:cNvGrpSpPr/>
-        <p:nvPr/>
-      </p:nvGrpSpPr>
-      <p:grpSpPr>
-        <a:xfrm>
-          <a:off x="0" y="0"/>
-          <a:ext cx="0" cy="0"/>
-          <a:chOff x="0" y="0"/>
-          <a:chExt cx="0" cy="0"/>
-        </a:xfrm>
-      </p:grpSpPr>
-      <p:sp>
-        <p:nvSpPr>
-          <p:cNvPr id="210" name="Google Shape;210;p25"/>
-          <p:cNvSpPr/>
-          <p:nvPr/>
-        </p:nvSpPr>
-        <p:spPr>
-          <a:xfrm>
-            <a:off x="0" y="5038200"/>
-            <a:ext cx="9144000" cy="105300"/>
-          </a:xfrm>
-          <a:prstGeom prst="rect">
-            <a:avLst/>
-          </a:prstGeom>
-          <a:solidFill>
-            <a:srgbClr val="662483"/>
-          </a:solidFill>
-          <a:ln w="9525" cap="flat" cmpd="sng">
-            <a:solidFill>
-              <a:srgbClr val="662483"/>
-            </a:solidFill>
-            <a:prstDash val="solid"/>
-            <a:round/>
-            <a:headEnd type="none" w="sm" len="sm"/>
-            <a:tailEnd type="none" w="sm" len="sm"/>
-          </a:ln>
-        </p:spPr>
-        <p:txBody>
-          <a:bodyPr spcFirstLastPara="1" wrap="square" lIns="91425" tIns="91425" rIns="91425" bIns="91425" anchor="ctr" anchorCtr="0">
-            <a:noAutofit/>
-          </a:bodyPr>
-          <a:lstStyle/>
-          <a:p>
-            <a:pPr marL="0" lvl="0" indent="0">
-              <a:spcBef>
-                <a:spcPts val="0"/>
-              </a:spcBef>
-              <a:spcAft>
-                <a:spcPts val="0"/>
-              </a:spcAft>
-              <a:buNone/>
-            </a:pPr>
-            <a:endParaRPr/>
-          </a:p>
-        </p:txBody>
-      </p:sp>
-      <p:grpSp>
-        <p:nvGrpSpPr>
-          <p:cNvPr id="211" name="Google Shape;211;p25"/>
-          <p:cNvGrpSpPr/>
-          <p:nvPr/>
-        </p:nvGrpSpPr>
-        <p:grpSpPr>
-          <a:xfrm>
-            <a:off x="0" y="0"/>
-            <a:ext cx="9144000" cy="633000"/>
-            <a:chOff x="125" y="215925"/>
-            <a:chExt cx="9144000" cy="633000"/>
-          </a:xfrm>
-        </p:grpSpPr>
-        <p:sp>
-          <p:nvSpPr>
-            <p:cNvPr id="212" name="Google Shape;212;p25"/>
-            <p:cNvSpPr/>
-            <p:nvPr/>
-          </p:nvSpPr>
-          <p:spPr>
-            <a:xfrm>
-              <a:off x="125" y="215925"/>
-              <a:ext cx="9144000" cy="633000"/>
-            </a:xfrm>
-            <a:prstGeom prst="rect">
-              <a:avLst/>
-            </a:prstGeom>
-            <a:solidFill>
-              <a:srgbClr val="88AF43"/>
-            </a:solidFill>
-            <a:ln w="9525" cap="flat" cmpd="sng">
-              <a:solidFill>
-                <a:srgbClr val="88AF43"/>
-              </a:solidFill>
-              <a:prstDash val="solid"/>
-              <a:round/>
-              <a:headEnd type="none" w="sm" len="sm"/>
-              <a:tailEnd type="none" w="sm" len="sm"/>
-            </a:ln>
-          </p:spPr>
-          <p:txBody>
-            <a:bodyPr spcFirstLastPara="1" wrap="square" lIns="91425" tIns="91425" rIns="91425" bIns="91425" anchor="ctr" anchorCtr="0">
-              <a:noAutofit/>
-            </a:bodyPr>
-            <a:lstStyle/>
-            <a:p>
-              <a:pPr marL="0" lvl="0" indent="0">
-                <a:spcBef>
-                  <a:spcPts val="0"/>
-                </a:spcBef>
-                <a:spcAft>
-                  <a:spcPts val="0"/>
-                </a:spcAft>
-                <a:buNone/>
-              </a:pPr>
-              <a:endParaRPr/>
-            </a:p>
-          </p:txBody>
-        </p:sp>
-        <p:sp>
-          <p:nvSpPr>
-            <p:cNvPr id="213" name="Google Shape;213;p25"/>
-            <p:cNvSpPr txBox="1"/>
-            <p:nvPr/>
-          </p:nvSpPr>
-          <p:spPr>
-            <a:xfrm>
-              <a:off x="181650" y="285825"/>
-              <a:ext cx="7241100" cy="493200"/>
-            </a:xfrm>
-            <a:prstGeom prst="rect">
-              <a:avLst/>
-            </a:prstGeom>
-            <a:noFill/>
-            <a:ln>
-              <a:noFill/>
-            </a:ln>
-          </p:spPr>
-          <p:txBody>
-            <a:bodyPr spcFirstLastPara="1" wrap="square" lIns="91425" tIns="91425" rIns="91425" bIns="91425" anchor="t" anchorCtr="0">
-              <a:noAutofit/>
-            </a:bodyPr>
-            <a:lstStyle/>
-            <a:p>
-              <a:r>
-                <a:rPr lang="en-US" sz="2000" dirty="0">
-                  <a:solidFill>
-                    <a:schemeClr val="lt1"/>
-                  </a:solidFill>
-                  <a:latin typeface="Tahoma"/>
-                  <a:ea typeface="Tahoma"/>
-                  <a:cs typeface="Tahoma"/>
-                </a:rPr>
-                <a:t>STUN server</a:t>
-              </a:r>
-              <a:endParaRPr lang="ru-RU" sz="2000" dirty="0">
-                <a:solidFill>
-                  <a:schemeClr val="lt1"/>
-                </a:solidFill>
-                <a:latin typeface="Tahoma"/>
-                <a:ea typeface="Tahoma"/>
-                <a:cs typeface="Tahoma"/>
-              </a:endParaRPr>
-            </a:p>
-            <a:p>
-              <a:endParaRPr lang="ru-RU" sz="2000" dirty="0">
-                <a:solidFill>
-                  <a:schemeClr val="lt1"/>
-                </a:solidFill>
-                <a:latin typeface="Tahoma"/>
-                <a:ea typeface="Tahoma"/>
-                <a:cs typeface="Tahoma"/>
-              </a:endParaRPr>
-            </a:p>
-            <a:p>
-              <a:pPr marL="0" lvl="0" indent="0" rtl="0">
-                <a:spcBef>
-                  <a:spcPts val="0"/>
-                </a:spcBef>
-                <a:spcAft>
-                  <a:spcPts val="0"/>
-                </a:spcAft>
-                <a:buNone/>
-              </a:pPr>
-              <a:endParaRPr sz="2000" dirty="0">
-                <a:solidFill>
-                  <a:srgbClr val="FFFFFF"/>
-                </a:solidFill>
-                <a:latin typeface="Tahoma"/>
-                <a:ea typeface="Tahoma"/>
-                <a:cs typeface="Tahoma"/>
-                <a:sym typeface="Tahoma"/>
-              </a:endParaRPr>
-            </a:p>
-          </p:txBody>
-        </p:sp>
-      </p:grpSp>
-      <p:pic>
-        <p:nvPicPr>
-          <p:cNvPr id="2" name="Рисунок 1">
-            <a:extLst>
-              <a:ext uri="{FF2B5EF4-FFF2-40B4-BE49-F238E27FC236}">
-                <a16:creationId xmlns:a16="http://schemas.microsoft.com/office/drawing/2014/main" id="{D00E0FD2-97DA-B14A-A68C-53754BE1439B}"/>
-              </a:ext>
-            </a:extLst>
-          </p:cNvPr>
-          <p:cNvPicPr>
-            <a:picLocks noChangeAspect="1"/>
-          </p:cNvPicPr>
-          <p:nvPr/>
-        </p:nvPicPr>
-        <p:blipFill>
-          <a:blip r:embed="rId3"/>
-          <a:stretch>
-            <a:fillRect/>
-          </a:stretch>
-        </p:blipFill>
-        <p:spPr>
-          <a:xfrm>
-            <a:off x="181525" y="1098801"/>
-            <a:ext cx="4508500" cy="1041400"/>
-          </a:xfrm>
-          <a:prstGeom prst="rect">
-            <a:avLst/>
-          </a:prstGeom>
-        </p:spPr>
-      </p:pic>
-      <p:sp>
-        <p:nvSpPr>
-          <p:cNvPr id="8" name="TextBox 7">
-            <a:extLst>
-              <a:ext uri="{FF2B5EF4-FFF2-40B4-BE49-F238E27FC236}">
-                <a16:creationId xmlns:a16="http://schemas.microsoft.com/office/drawing/2014/main" id="{9999D649-9971-014C-A28D-BFD9EAF4981A}"/>
-              </a:ext>
-            </a:extLst>
-          </p:cNvPr>
-          <p:cNvSpPr txBox="1"/>
-          <p:nvPr/>
-        </p:nvSpPr>
-        <p:spPr>
-          <a:xfrm>
-            <a:off x="181525" y="2244152"/>
-            <a:ext cx="8558821" cy="1345048"/>
-          </a:xfrm>
-          <a:prstGeom prst="rect">
-            <a:avLst/>
-          </a:prstGeom>
-          <a:noFill/>
-        </p:spPr>
-        <p:txBody>
-          <a:bodyPr wrap="square" rtlCol="0">
-            <a:spAutoFit/>
-          </a:bodyPr>
-          <a:lstStyle/>
-          <a:p>
-            <a:pPr>
-              <a:lnSpc>
-                <a:spcPct val="150000"/>
-              </a:lnSpc>
-            </a:pPr>
-            <a:r>
-              <a:rPr lang="ru-RU" dirty="0"/>
-              <a:t>Сервер </a:t>
-            </a:r>
-            <a:r>
-              <a:rPr lang="en-US" dirty="0"/>
-              <a:t>STUN (Simple Traversal of User Datagram Protocol [UDP-</a:t>
-            </a:r>
-            <a:r>
-              <a:rPr lang="ru-RU" dirty="0"/>
-              <a:t>протокол пользовательских </a:t>
-            </a:r>
-            <a:r>
-              <a:rPr lang="ru-RU" dirty="0" err="1"/>
-              <a:t>датаграмм</a:t>
-            </a:r>
-            <a:r>
-              <a:rPr lang="ru-RU" dirty="0"/>
-              <a:t>] через сервер </a:t>
-            </a:r>
-            <a:r>
-              <a:rPr lang="en-US" dirty="0"/>
-              <a:t>NAT [</a:t>
-            </a:r>
-            <a:r>
-              <a:rPr lang="ru-RU" dirty="0"/>
-              <a:t>транслятор сетевых адресов]) позволяет клиентам </a:t>
-            </a:r>
-            <a:r>
-              <a:rPr lang="en-US" dirty="0"/>
-              <a:t>NAT (</a:t>
-            </a:r>
-            <a:r>
-              <a:rPr lang="ru-RU" dirty="0"/>
-              <a:t>т.</a:t>
-            </a:r>
-            <a:r>
-              <a:rPr lang="en-US" dirty="0"/>
-              <a:t>e. </a:t>
-            </a:r>
-            <a:r>
-              <a:rPr lang="ru-RU" dirty="0"/>
-              <a:t>компьютерам за сетевым экраном) устанавливать сеансы связи с провайдером </a:t>
-            </a:r>
-            <a:r>
-              <a:rPr lang="en-US" dirty="0"/>
-              <a:t>VOIP, </a:t>
-            </a:r>
-            <a:r>
-              <a:rPr lang="ru-RU" dirty="0"/>
-              <a:t>находящимся за пределами локальной сети.</a:t>
-            </a:r>
-          </a:p>
-        </p:txBody>
-      </p:sp>
-    </p:spTree>
-    <p:extLst>
-      <p:ext uri="{BB962C8B-B14F-4D97-AF65-F5344CB8AC3E}">
-        <p14:creationId xmlns:p14="http://schemas.microsoft.com/office/powerpoint/2010/main" val="2170384967"/>
-      </p:ext>
-    </p:extLst>
-  </p:cSld>
-  <p:clrMapOvr>
-    <a:masterClrMapping/>
-  </p:clrMapOvr>
-</p:sld>
-</file>
-
-<file path=ppt/slides/slide12.xml><?xml version="1.0" encoding="utf-8"?>
-<p:sld xmlns:a="http://schemas.openxmlformats.org/drawingml/2006/main" xmlns:r="http://schemas.openxmlformats.org/officeDocument/2006/relationships" xmlns:p="http://schemas.openxmlformats.org/presentationml/2006/main">
-  <p:cSld>
-    <p:spTree>
-      <p:nvGrpSpPr>
-        <p:cNvPr id="1" name=""/>
-        <p:cNvGrpSpPr/>
-        <p:nvPr/>
-      </p:nvGrpSpPr>
-      <p:grpSpPr>
-        <a:xfrm>
-          <a:off x="0" y="0"/>
-          <a:ext cx="0" cy="0"/>
-          <a:chOff x="0" y="0"/>
-          <a:chExt cx="0" cy="0"/>
-        </a:xfrm>
-      </p:grpSpPr>
-      <p:sp>
-        <p:nvSpPr>
-          <p:cNvPr id="10" name="Google Shape;73;p15"/>
-          <p:cNvSpPr/>
-          <p:nvPr/>
-        </p:nvSpPr>
-        <p:spPr>
-          <a:xfrm>
-            <a:off x="0" y="5038200"/>
-            <a:ext cx="9144000" cy="105300"/>
-          </a:xfrm>
-          <a:prstGeom prst="rect">
-            <a:avLst/>
-          </a:prstGeom>
-          <a:solidFill>
-            <a:srgbClr val="662483"/>
-          </a:solidFill>
-          <a:ln w="9525" cap="flat" cmpd="sng">
-            <a:solidFill>
-              <a:srgbClr val="662483"/>
-            </a:solidFill>
-            <a:prstDash val="solid"/>
-            <a:round/>
-            <a:headEnd type="none" w="sm" len="sm"/>
-            <a:tailEnd type="none" w="sm" len="sm"/>
-          </a:ln>
-        </p:spPr>
-        <p:txBody>
-          <a:bodyPr spcFirstLastPara="1" wrap="square" lIns="91425" tIns="91425" rIns="91425" bIns="91425" anchor="ctr" anchorCtr="0">
-            <a:noAutofit/>
-          </a:bodyPr>
-          <a:lstStyle/>
-          <a:p>
-            <a:pPr marL="0" lvl="0" indent="0">
-              <a:spcBef>
-                <a:spcPts val="0"/>
-              </a:spcBef>
-              <a:spcAft>
-                <a:spcPts val="0"/>
-              </a:spcAft>
-              <a:buNone/>
-            </a:pPr>
-            <a:endParaRPr/>
-          </a:p>
-        </p:txBody>
-      </p:sp>
-      <p:grpSp>
-        <p:nvGrpSpPr>
-          <p:cNvPr id="11" name="Google Shape;63;p14"/>
-          <p:cNvGrpSpPr/>
-          <p:nvPr/>
-        </p:nvGrpSpPr>
-        <p:grpSpPr>
-          <a:xfrm>
-            <a:off x="0" y="0"/>
-            <a:ext cx="9144000" cy="633000"/>
-            <a:chOff x="125" y="215925"/>
-            <a:chExt cx="9144000" cy="633000"/>
-          </a:xfrm>
-        </p:grpSpPr>
-        <p:sp>
-          <p:nvSpPr>
-            <p:cNvPr id="12" name="Google Shape;64;p14"/>
-            <p:cNvSpPr/>
-            <p:nvPr/>
-          </p:nvSpPr>
-          <p:spPr>
-            <a:xfrm>
-              <a:off x="125" y="215925"/>
-              <a:ext cx="9144000" cy="633000"/>
-            </a:xfrm>
-            <a:prstGeom prst="rect">
-              <a:avLst/>
-            </a:prstGeom>
-            <a:solidFill>
-              <a:srgbClr val="88AF43"/>
-            </a:solidFill>
-            <a:ln w="9525" cap="flat" cmpd="sng">
-              <a:solidFill>
-                <a:srgbClr val="88AF43"/>
-              </a:solidFill>
-              <a:prstDash val="solid"/>
-              <a:round/>
-              <a:headEnd type="none" w="sm" len="sm"/>
-              <a:tailEnd type="none" w="sm" len="sm"/>
-            </a:ln>
-          </p:spPr>
-          <p:txBody>
-            <a:bodyPr spcFirstLastPara="1" wrap="square" lIns="91425" tIns="91425" rIns="91425" bIns="91425" anchor="ctr" anchorCtr="0">
-              <a:noAutofit/>
-            </a:bodyPr>
-            <a:lstStyle/>
-            <a:p>
-              <a:pPr marL="0" lvl="0" indent="0">
-                <a:spcBef>
-                  <a:spcPts val="0"/>
-                </a:spcBef>
-                <a:spcAft>
-                  <a:spcPts val="0"/>
-                </a:spcAft>
-                <a:buNone/>
-              </a:pPr>
-              <a:endParaRPr/>
-            </a:p>
-          </p:txBody>
-        </p:sp>
-        <p:sp>
-          <p:nvSpPr>
-            <p:cNvPr id="13" name="Google Shape;65;p14"/>
-            <p:cNvSpPr txBox="1"/>
-            <p:nvPr/>
-          </p:nvSpPr>
-          <p:spPr>
-            <a:xfrm>
-              <a:off x="181650" y="285825"/>
-              <a:ext cx="8303448" cy="493200"/>
-            </a:xfrm>
-            <a:prstGeom prst="rect">
-              <a:avLst/>
-            </a:prstGeom>
-            <a:noFill/>
-            <a:ln>
-              <a:noFill/>
-            </a:ln>
-          </p:spPr>
-          <p:txBody>
-            <a:bodyPr spcFirstLastPara="1" wrap="square" lIns="91425" tIns="91425" rIns="91425" bIns="91425" anchor="t" anchorCtr="0">
-              <a:noAutofit/>
-            </a:bodyPr>
-            <a:lstStyle/>
-            <a:p>
-              <a:r>
-                <a:rPr lang="en-US" sz="2000" dirty="0">
-                  <a:solidFill>
-                    <a:srgbClr val="FFFFFF"/>
-                  </a:solidFill>
-                  <a:latin typeface="Tahoma"/>
-                  <a:ea typeface="Tahoma"/>
-                  <a:cs typeface="Tahoma"/>
-                </a:rPr>
-                <a:t>My first chat</a:t>
-              </a:r>
-              <a:endParaRPr lang="ru-RU" sz="2000" dirty="0">
-                <a:solidFill>
-                  <a:srgbClr val="FFFFFF"/>
-                </a:solidFill>
-                <a:latin typeface="Tahoma"/>
-                <a:ea typeface="Tahoma"/>
-                <a:cs typeface="Tahoma"/>
-              </a:endParaRPr>
-            </a:p>
-            <a:p>
-              <a:endParaRPr lang="ru-RU" sz="2000" dirty="0">
-                <a:solidFill>
-                  <a:srgbClr val="FFFFFF"/>
-                </a:solidFill>
-                <a:latin typeface="Tahoma"/>
-                <a:ea typeface="Tahoma"/>
-                <a:cs typeface="Tahoma"/>
-              </a:endParaRPr>
-            </a:p>
-            <a:p>
-              <a:pPr marL="0" lvl="0" indent="0" rtl="0">
-                <a:spcBef>
-                  <a:spcPts val="0"/>
-                </a:spcBef>
-                <a:spcAft>
-                  <a:spcPts val="0"/>
-                </a:spcAft>
-                <a:buNone/>
-              </a:pPr>
-              <a:endParaRPr lang="ru" sz="2000" dirty="0">
-                <a:solidFill>
-                  <a:srgbClr val="FFFFFF"/>
-                </a:solidFill>
-                <a:latin typeface="Tahoma"/>
-                <a:ea typeface="Tahoma"/>
-                <a:cs typeface="Tahoma"/>
-                <a:sym typeface="Tahoma"/>
-              </a:endParaRPr>
-            </a:p>
-          </p:txBody>
-        </p:sp>
-      </p:grpSp>
-      <p:sp>
-        <p:nvSpPr>
-          <p:cNvPr id="14" name="TextBox 13">
-            <a:extLst>
-              <a:ext uri="{FF2B5EF4-FFF2-40B4-BE49-F238E27FC236}">
-                <a16:creationId xmlns:a16="http://schemas.microsoft.com/office/drawing/2014/main" id="{F35D8921-7046-D643-AE65-E5F39257D88B}"/>
-              </a:ext>
-            </a:extLst>
-          </p:cNvPr>
-          <p:cNvSpPr txBox="1"/>
-          <p:nvPr/>
-        </p:nvSpPr>
-        <p:spPr>
-          <a:xfrm>
-            <a:off x="181525" y="1322364"/>
-            <a:ext cx="7133674" cy="1436291"/>
-          </a:xfrm>
-          <a:prstGeom prst="rect">
-            <a:avLst/>
-          </a:prstGeom>
-          <a:noFill/>
-        </p:spPr>
-        <p:txBody>
-          <a:bodyPr wrap="square" rtlCol="0">
-            <a:spAutoFit/>
-          </a:bodyPr>
-          <a:lstStyle/>
-          <a:p>
-            <a:pPr>
-              <a:lnSpc>
-                <a:spcPct val="150000"/>
-              </a:lnSpc>
-              <a:spcBef>
-                <a:spcPts val="200"/>
-              </a:spcBef>
-            </a:pPr>
-            <a:r>
-              <a:rPr lang="ru-RU" sz="2400" dirty="0"/>
-              <a:t>Качаем проект из папки </a:t>
-            </a:r>
-            <a:r>
-              <a:rPr lang="en-US" sz="2400" dirty="0"/>
-              <a:t>source</a:t>
-            </a:r>
-            <a:endParaRPr lang="ru-RU" sz="2400" dirty="0"/>
-          </a:p>
-          <a:p>
-            <a:pPr>
-              <a:spcBef>
-                <a:spcPts val="200"/>
-              </a:spcBef>
-            </a:pPr>
-            <a:endParaRPr lang="ru-RU" sz="2400" dirty="0"/>
-          </a:p>
-          <a:p>
-            <a:pPr>
-              <a:spcBef>
-                <a:spcPts val="200"/>
-              </a:spcBef>
-            </a:pPr>
-            <a:r>
-              <a:rPr lang="ru-RU" sz="2400" dirty="0"/>
-              <a:t> </a:t>
-            </a:r>
-          </a:p>
-        </p:txBody>
-      </p:sp>
-    </p:spTree>
-    <p:extLst>
-      <p:ext uri="{BB962C8B-B14F-4D97-AF65-F5344CB8AC3E}">
-        <p14:creationId xmlns:p14="http://schemas.microsoft.com/office/powerpoint/2010/main" val="1475750675"/>
-      </p:ext>
-    </p:extLst>
-  </p:cSld>
-  <p:clrMapOvr>
-    <a:masterClrMapping/>
-  </p:clrMapOvr>
-</p:sld>
-</file>
-
-<file path=ppt/slides/slide13.xml><?xml version="1.0" encoding="utf-8"?>
-<p:sld xmlns:a="http://schemas.openxmlformats.org/drawingml/2006/main" xmlns:r="http://schemas.openxmlformats.org/officeDocument/2006/relationships" xmlns:p="http://schemas.openxmlformats.org/presentationml/2006/main">
-  <p:cSld>
-    <p:spTree>
-      <p:nvGrpSpPr>
-        <p:cNvPr id="1" name=""/>
-        <p:cNvGrpSpPr/>
-        <p:nvPr/>
-      </p:nvGrpSpPr>
-      <p:grpSpPr>
-        <a:xfrm>
-          <a:off x="0" y="0"/>
-          <a:ext cx="0" cy="0"/>
-          <a:chOff x="0" y="0"/>
-          <a:chExt cx="0" cy="0"/>
-        </a:xfrm>
-      </p:grpSpPr>
-      <p:sp>
-        <p:nvSpPr>
-          <p:cNvPr id="10" name="Google Shape;73;p15"/>
-          <p:cNvSpPr/>
-          <p:nvPr/>
-        </p:nvSpPr>
-        <p:spPr>
-          <a:xfrm>
-            <a:off x="0" y="5038200"/>
-            <a:ext cx="9144000" cy="105300"/>
-          </a:xfrm>
-          <a:prstGeom prst="rect">
-            <a:avLst/>
-          </a:prstGeom>
-          <a:solidFill>
-            <a:srgbClr val="662483"/>
-          </a:solidFill>
-          <a:ln w="9525" cap="flat" cmpd="sng">
-            <a:solidFill>
-              <a:srgbClr val="662483"/>
-            </a:solidFill>
-            <a:prstDash val="solid"/>
-            <a:round/>
-            <a:headEnd type="none" w="sm" len="sm"/>
-            <a:tailEnd type="none" w="sm" len="sm"/>
-          </a:ln>
-        </p:spPr>
-        <p:txBody>
-          <a:bodyPr spcFirstLastPara="1" wrap="square" lIns="91425" tIns="91425" rIns="91425" bIns="91425" anchor="ctr" anchorCtr="0">
-            <a:noAutofit/>
-          </a:bodyPr>
-          <a:lstStyle/>
-          <a:p>
-            <a:pPr marL="0" lvl="0" indent="0">
-              <a:spcBef>
-                <a:spcPts val="0"/>
-              </a:spcBef>
-              <a:spcAft>
-                <a:spcPts val="0"/>
-              </a:spcAft>
-              <a:buNone/>
-            </a:pPr>
-            <a:endParaRPr/>
-          </a:p>
-        </p:txBody>
-      </p:sp>
-      <p:grpSp>
-        <p:nvGrpSpPr>
-          <p:cNvPr id="11" name="Google Shape;63;p14"/>
-          <p:cNvGrpSpPr/>
-          <p:nvPr/>
-        </p:nvGrpSpPr>
-        <p:grpSpPr>
-          <a:xfrm>
-            <a:off x="0" y="0"/>
-            <a:ext cx="9144000" cy="633000"/>
-            <a:chOff x="125" y="215925"/>
-            <a:chExt cx="9144000" cy="633000"/>
-          </a:xfrm>
-        </p:grpSpPr>
-        <p:sp>
-          <p:nvSpPr>
-            <p:cNvPr id="12" name="Google Shape;64;p14"/>
-            <p:cNvSpPr/>
-            <p:nvPr/>
-          </p:nvSpPr>
-          <p:spPr>
-            <a:xfrm>
-              <a:off x="125" y="215925"/>
-              <a:ext cx="9144000" cy="633000"/>
-            </a:xfrm>
-            <a:prstGeom prst="rect">
-              <a:avLst/>
-            </a:prstGeom>
-            <a:solidFill>
-              <a:srgbClr val="88AF43"/>
-            </a:solidFill>
-            <a:ln w="9525" cap="flat" cmpd="sng">
-              <a:solidFill>
-                <a:srgbClr val="88AF43"/>
-              </a:solidFill>
-              <a:prstDash val="solid"/>
-              <a:round/>
-              <a:headEnd type="none" w="sm" len="sm"/>
-              <a:tailEnd type="none" w="sm" len="sm"/>
-            </a:ln>
-          </p:spPr>
-          <p:txBody>
-            <a:bodyPr spcFirstLastPara="1" wrap="square" lIns="91425" tIns="91425" rIns="91425" bIns="91425" anchor="ctr" anchorCtr="0">
-              <a:noAutofit/>
-            </a:bodyPr>
-            <a:lstStyle/>
-            <a:p>
-              <a:pPr marL="0" lvl="0" indent="0">
-                <a:spcBef>
-                  <a:spcPts val="0"/>
-                </a:spcBef>
-                <a:spcAft>
-                  <a:spcPts val="0"/>
-                </a:spcAft>
-                <a:buNone/>
-              </a:pPr>
-              <a:endParaRPr/>
-            </a:p>
-          </p:txBody>
-        </p:sp>
-        <p:sp>
-          <p:nvSpPr>
-            <p:cNvPr id="13" name="Google Shape;65;p14"/>
-            <p:cNvSpPr txBox="1"/>
-            <p:nvPr/>
-          </p:nvSpPr>
-          <p:spPr>
-            <a:xfrm>
-              <a:off x="181650" y="285825"/>
-              <a:ext cx="5786400" cy="493200"/>
-            </a:xfrm>
-            <a:prstGeom prst="rect">
-              <a:avLst/>
-            </a:prstGeom>
-            <a:noFill/>
-            <a:ln>
-              <a:noFill/>
-            </a:ln>
-          </p:spPr>
-          <p:txBody>
-            <a:bodyPr spcFirstLastPara="1" wrap="square" lIns="91425" tIns="91425" rIns="91425" bIns="91425" anchor="t" anchorCtr="0">
-              <a:noAutofit/>
-            </a:bodyPr>
-            <a:lstStyle/>
-            <a:p>
-              <a:r>
-                <a:rPr lang="en-US" sz="2000" dirty="0">
-                  <a:solidFill>
-                    <a:srgbClr val="FFFFFF"/>
-                  </a:solidFill>
-                  <a:latin typeface="Tahoma"/>
-                  <a:ea typeface="Tahoma"/>
-                  <a:cs typeface="Tahoma"/>
-                </a:rPr>
-                <a:t>XSS </a:t>
-              </a:r>
-              <a:r>
-                <a:rPr lang="en-US" sz="2000" dirty="0" err="1">
-                  <a:solidFill>
-                    <a:srgbClr val="FFFFFF"/>
-                  </a:solidFill>
-                  <a:latin typeface="Tahoma"/>
-                  <a:ea typeface="Tahoma"/>
-                  <a:cs typeface="Tahoma"/>
-                </a:rPr>
-                <a:t>atack</a:t>
-              </a:r>
-              <a:endParaRPr lang="ru-RU" sz="2000" dirty="0">
-                <a:solidFill>
-                  <a:srgbClr val="FFFFFF"/>
-                </a:solidFill>
-                <a:latin typeface="Tahoma"/>
-                <a:ea typeface="Tahoma"/>
-                <a:cs typeface="Tahoma"/>
-              </a:endParaRPr>
-            </a:p>
-            <a:p>
-              <a:pPr marL="0" lvl="0" indent="0" rtl="0">
-                <a:spcBef>
-                  <a:spcPts val="0"/>
-                </a:spcBef>
-                <a:spcAft>
-                  <a:spcPts val="0"/>
-                </a:spcAft>
-                <a:buNone/>
-              </a:pPr>
-              <a:endParaRPr lang="ru" sz="2000" dirty="0">
-                <a:solidFill>
-                  <a:srgbClr val="FFFFFF"/>
-                </a:solidFill>
-                <a:latin typeface="Tahoma"/>
-                <a:ea typeface="Tahoma"/>
-                <a:cs typeface="Tahoma"/>
-                <a:sym typeface="Tahoma"/>
-              </a:endParaRPr>
-            </a:p>
-          </p:txBody>
-        </p:sp>
-      </p:grpSp>
-      <p:sp>
-        <p:nvSpPr>
-          <p:cNvPr id="9" name="TextBox 8">
-            <a:extLst>
-              <a:ext uri="{FF2B5EF4-FFF2-40B4-BE49-F238E27FC236}">
-                <a16:creationId xmlns:a16="http://schemas.microsoft.com/office/drawing/2014/main" id="{FC957C28-99F0-D242-A8B5-81AA43DC4A38}"/>
-              </a:ext>
-            </a:extLst>
-          </p:cNvPr>
-          <p:cNvSpPr txBox="1"/>
-          <p:nvPr/>
-        </p:nvSpPr>
-        <p:spPr>
-          <a:xfrm>
-            <a:off x="181526" y="1384852"/>
-            <a:ext cx="8031598" cy="1754326"/>
-          </a:xfrm>
-          <a:prstGeom prst="rect">
-            <a:avLst/>
-          </a:prstGeom>
-          <a:noFill/>
-        </p:spPr>
-        <p:txBody>
-          <a:bodyPr wrap="square" rtlCol="0">
-            <a:spAutoFit/>
-          </a:bodyPr>
-          <a:lstStyle/>
-          <a:p>
-            <a:pPr>
-              <a:spcBef>
-                <a:spcPts val="200"/>
-              </a:spcBef>
-            </a:pPr>
-            <a:r>
-              <a:rPr lang="en-US" sz="1800" b="1" dirty="0"/>
-              <a:t>XSS</a:t>
-            </a:r>
-            <a:r>
-              <a:rPr lang="en-US" sz="1800" dirty="0"/>
-              <a:t> (</a:t>
-            </a:r>
-            <a:r>
-              <a:rPr lang="ru-RU" sz="1800" dirty="0"/>
-              <a:t>англ. </a:t>
-            </a:r>
-            <a:r>
-              <a:rPr lang="en-US" sz="1800" i="1" dirty="0"/>
-              <a:t>Cross-Site Scripting</a:t>
-            </a:r>
-            <a:r>
-              <a:rPr lang="en-US" sz="1800" dirty="0"/>
-              <a:t> — «</a:t>
-            </a:r>
-            <a:r>
-              <a:rPr lang="ru-RU" sz="1800" dirty="0"/>
-              <a:t>межсайтовый скриптинг») — тип атаки на веб-системы, заключающийся во внедрении в выдаваемую веб-системой страницу вредоносного кода (который будет выполнен на компьютере пользователя при открытии им этой страницы) и взаимодействии этого кода с веб-сервером злоумышленника. Является разновидностью атаки «Внедрение</a:t>
-            </a:r>
-            <a:r>
-              <a:rPr lang="en-US" sz="1800" dirty="0"/>
-              <a:t> </a:t>
-            </a:r>
-            <a:r>
-              <a:rPr lang="ru-RU" sz="1800" dirty="0"/>
-              <a:t>кода».</a:t>
-            </a:r>
-            <a:endParaRPr lang="ru-RU" sz="2800" dirty="0"/>
-          </a:p>
-        </p:txBody>
-      </p:sp>
-    </p:spTree>
-    <p:extLst>
-      <p:ext uri="{BB962C8B-B14F-4D97-AF65-F5344CB8AC3E}">
-        <p14:creationId xmlns:p14="http://schemas.microsoft.com/office/powerpoint/2010/main" val="1629465742"/>
-      </p:ext>
-    </p:extLst>
-  </p:cSld>
-  <p:clrMapOvr>
-    <a:masterClrMapping/>
-  </p:clrMapOvr>
-</p:sld>
-</file>
-
-<file path=ppt/slides/slide14.xml><?xml version="1.0" encoding="utf-8"?>
-<p:sld xmlns:a="http://schemas.openxmlformats.org/drawingml/2006/main" xmlns:r="http://schemas.openxmlformats.org/officeDocument/2006/relationships" xmlns:p="http://schemas.openxmlformats.org/presentationml/2006/main">
-  <p:cSld>
-    <p:spTree>
-      <p:nvGrpSpPr>
-        <p:cNvPr id="1" name=""/>
-        <p:cNvGrpSpPr/>
-        <p:nvPr/>
-      </p:nvGrpSpPr>
-      <p:grpSpPr>
-        <a:xfrm>
-          <a:off x="0" y="0"/>
-          <a:ext cx="0" cy="0"/>
-          <a:chOff x="0" y="0"/>
-          <a:chExt cx="0" cy="0"/>
-        </a:xfrm>
-      </p:grpSpPr>
-      <p:sp>
-        <p:nvSpPr>
-          <p:cNvPr id="8" name="Текст 7"/>
-          <p:cNvSpPr>
-            <a:spLocks noGrp="1"/>
-          </p:cNvSpPr>
-          <p:nvPr>
-            <p:ph type="body" idx="1"/>
-          </p:nvPr>
-        </p:nvSpPr>
-        <p:spPr>
-          <a:xfrm>
-            <a:off x="311700" y="1152475"/>
-            <a:ext cx="8524482" cy="3416400"/>
-          </a:xfrm>
-        </p:spPr>
-        <p:txBody>
-          <a:bodyPr/>
-          <a:lstStyle/>
-          <a:p>
-            <a:pPr fontAlgn="base">
-              <a:lnSpc>
-                <a:spcPct val="150000"/>
-              </a:lnSpc>
-            </a:pPr>
-            <a:r>
-              <a:rPr lang="ru-RU" dirty="0">
-                <a:solidFill>
-                  <a:schemeClr val="tx1"/>
-                </a:solidFill>
-                <a:latin typeface="Tahoma" panose="020B0604030504040204" pitchFamily="34" charset="0"/>
-                <a:ea typeface="Tahoma" panose="020B0604030504040204" pitchFamily="34" charset="0"/>
-                <a:cs typeface="Tahoma" panose="020B0604030504040204" pitchFamily="34" charset="0"/>
-              </a:rPr>
-              <a:t>Что такое </a:t>
-            </a:r>
-            <a:r>
-              <a:rPr lang="en-US" dirty="0" err="1">
-                <a:solidFill>
-                  <a:schemeClr val="tx1"/>
-                </a:solidFill>
-                <a:latin typeface="Tahoma" panose="020B0604030504040204" pitchFamily="34" charset="0"/>
-                <a:ea typeface="Tahoma" panose="020B0604030504040204" pitchFamily="34" charset="0"/>
-                <a:cs typeface="Tahoma" panose="020B0604030504040204" pitchFamily="34" charset="0"/>
-              </a:rPr>
-              <a:t>websocket</a:t>
-            </a:r>
-            <a:r>
-              <a:rPr lang="ru-RU" dirty="0">
-                <a:solidFill>
-                  <a:schemeClr val="tx1"/>
-                </a:solidFill>
-                <a:latin typeface="Tahoma" panose="020B0604030504040204" pitchFamily="34" charset="0"/>
-                <a:ea typeface="Tahoma" panose="020B0604030504040204" pitchFamily="34" charset="0"/>
-                <a:cs typeface="Tahoma" panose="020B0604030504040204" pitchFamily="34" charset="0"/>
-              </a:rPr>
-              <a:t>?</a:t>
-            </a:r>
-          </a:p>
-          <a:p>
-            <a:pPr fontAlgn="base">
-              <a:lnSpc>
-                <a:spcPct val="150000"/>
-              </a:lnSpc>
-            </a:pPr>
-            <a:r>
-              <a:rPr lang="ru-RU" dirty="0">
-                <a:solidFill>
-                  <a:schemeClr val="tx1"/>
-                </a:solidFill>
-                <a:latin typeface="Tahoma" panose="020B0604030504040204" pitchFamily="34" charset="0"/>
-                <a:ea typeface="Tahoma" panose="020B0604030504040204" pitchFamily="34" charset="0"/>
-                <a:cs typeface="Tahoma" panose="020B0604030504040204" pitchFamily="34" charset="0"/>
-              </a:rPr>
-              <a:t>В чем </a:t>
-            </a:r>
-            <a:r>
-              <a:rPr lang="en-US" dirty="0" err="1">
-                <a:solidFill>
-                  <a:schemeClr val="tx1"/>
-                </a:solidFill>
-                <a:latin typeface="Tahoma" panose="020B0604030504040204" pitchFamily="34" charset="0"/>
-                <a:ea typeface="Tahoma" panose="020B0604030504040204" pitchFamily="34" charset="0"/>
-                <a:cs typeface="Tahoma" panose="020B0604030504040204" pitchFamily="34" charset="0"/>
-              </a:rPr>
-              <a:t>websocket</a:t>
-            </a:r>
-            <a:r>
-              <a:rPr lang="ru-RU" dirty="0">
-                <a:solidFill>
-                  <a:schemeClr val="tx1"/>
-                </a:solidFill>
-                <a:latin typeface="Tahoma" panose="020B0604030504040204" pitchFamily="34" charset="0"/>
-                <a:ea typeface="Tahoma" panose="020B0604030504040204" pitchFamily="34" charset="0"/>
-                <a:cs typeface="Tahoma" panose="020B0604030504040204" pitchFamily="34" charset="0"/>
-              </a:rPr>
-              <a:t> выигрывает, а в чем проигрывает протоколу </a:t>
-            </a:r>
-            <a:r>
-              <a:rPr lang="en-US" dirty="0">
-                <a:solidFill>
-                  <a:schemeClr val="tx1"/>
-                </a:solidFill>
-                <a:latin typeface="Tahoma" panose="020B0604030504040204" pitchFamily="34" charset="0"/>
-                <a:ea typeface="Tahoma" panose="020B0604030504040204" pitchFamily="34" charset="0"/>
-                <a:cs typeface="Tahoma" panose="020B0604030504040204" pitchFamily="34" charset="0"/>
-              </a:rPr>
-              <a:t>http</a:t>
-            </a:r>
-            <a:r>
-              <a:rPr lang="ru-RU" dirty="0">
-                <a:solidFill>
-                  <a:schemeClr val="tx1"/>
-                </a:solidFill>
-                <a:latin typeface="Tahoma" panose="020B0604030504040204" pitchFamily="34" charset="0"/>
-                <a:ea typeface="Tahoma" panose="020B0604030504040204" pitchFamily="34" charset="0"/>
-                <a:cs typeface="Tahoma" panose="020B0604030504040204" pitchFamily="34" charset="0"/>
-              </a:rPr>
-              <a:t>?</a:t>
-            </a:r>
-          </a:p>
-          <a:p>
-            <a:pPr fontAlgn="base">
-              <a:lnSpc>
-                <a:spcPct val="150000"/>
-              </a:lnSpc>
-            </a:pPr>
-            <a:r>
-              <a:rPr lang="ru-RU" dirty="0">
-                <a:solidFill>
-                  <a:schemeClr val="tx1"/>
-                </a:solidFill>
-                <a:latin typeface="Tahoma" panose="020B0604030504040204" pitchFamily="34" charset="0"/>
-                <a:ea typeface="Tahoma" panose="020B0604030504040204" pitchFamily="34" charset="0"/>
-                <a:cs typeface="Tahoma" panose="020B0604030504040204" pitchFamily="34" charset="0"/>
-              </a:rPr>
-              <a:t>Как обезопасить себя от </a:t>
-            </a:r>
-            <a:r>
-              <a:rPr lang="en-US" dirty="0">
-                <a:solidFill>
-                  <a:schemeClr val="tx1"/>
-                </a:solidFill>
-                <a:latin typeface="Tahoma" panose="020B0604030504040204" pitchFamily="34" charset="0"/>
-                <a:ea typeface="Tahoma" panose="020B0604030504040204" pitchFamily="34" charset="0"/>
-                <a:cs typeface="Tahoma" panose="020B0604030504040204" pitchFamily="34" charset="0"/>
-              </a:rPr>
-              <a:t>XSS </a:t>
-            </a:r>
-            <a:r>
-              <a:rPr lang="ru-RU" dirty="0">
-                <a:solidFill>
-                  <a:schemeClr val="tx1"/>
-                </a:solidFill>
-                <a:latin typeface="Tahoma" panose="020B0604030504040204" pitchFamily="34" charset="0"/>
-                <a:ea typeface="Tahoma" panose="020B0604030504040204" pitchFamily="34" charset="0"/>
-                <a:cs typeface="Tahoma" panose="020B0604030504040204" pitchFamily="34" charset="0"/>
-              </a:rPr>
-              <a:t>атак?</a:t>
-            </a:r>
-          </a:p>
-          <a:p>
-            <a:pPr fontAlgn="base">
-              <a:lnSpc>
-                <a:spcPct val="150000"/>
-              </a:lnSpc>
-            </a:pPr>
-            <a:r>
-              <a:rPr lang="ru-RU" dirty="0">
-                <a:solidFill>
-                  <a:schemeClr val="tx1"/>
-                </a:solidFill>
-                <a:latin typeface="Tahoma" panose="020B0604030504040204" pitchFamily="34" charset="0"/>
-                <a:ea typeface="Tahoma" panose="020B0604030504040204" pitchFamily="34" charset="0"/>
-                <a:cs typeface="Tahoma" panose="020B0604030504040204" pitchFamily="34" charset="0"/>
-              </a:rPr>
-              <a:t>Для чего</a:t>
-            </a:r>
-            <a:r>
-              <a:rPr lang="en-US" dirty="0">
-                <a:solidFill>
-                  <a:schemeClr val="tx1"/>
-                </a:solidFill>
-                <a:latin typeface="Tahoma" panose="020B0604030504040204" pitchFamily="34" charset="0"/>
-                <a:ea typeface="Tahoma" panose="020B0604030504040204" pitchFamily="34" charset="0"/>
-                <a:cs typeface="Tahoma" panose="020B0604030504040204" pitchFamily="34" charset="0"/>
-              </a:rPr>
-              <a:t> </a:t>
-            </a:r>
-            <a:r>
-              <a:rPr lang="ru-RU" dirty="0">
-                <a:solidFill>
-                  <a:schemeClr val="tx1"/>
-                </a:solidFill>
-                <a:latin typeface="Tahoma" panose="020B0604030504040204" pitchFamily="34" charset="0"/>
-                <a:ea typeface="Tahoma" panose="020B0604030504040204" pitchFamily="34" charset="0"/>
-                <a:cs typeface="Tahoma" panose="020B0604030504040204" pitchFamily="34" charset="0"/>
-              </a:rPr>
-              <a:t>нужен </a:t>
-            </a:r>
-            <a:r>
-              <a:rPr lang="en-US" dirty="0">
-                <a:solidFill>
-                  <a:schemeClr val="tx1"/>
-                </a:solidFill>
-                <a:latin typeface="Tahoma" panose="020B0604030504040204" pitchFamily="34" charset="0"/>
-                <a:ea typeface="Tahoma" panose="020B0604030504040204" pitchFamily="34" charset="0"/>
-                <a:cs typeface="Tahoma" panose="020B0604030504040204" pitchFamily="34" charset="0"/>
-              </a:rPr>
-              <a:t>stun </a:t>
-            </a:r>
-            <a:r>
-              <a:rPr lang="ru-RU" dirty="0">
-                <a:solidFill>
-                  <a:schemeClr val="tx1"/>
-                </a:solidFill>
-                <a:latin typeface="Tahoma" panose="020B0604030504040204" pitchFamily="34" charset="0"/>
-                <a:ea typeface="Tahoma" panose="020B0604030504040204" pitchFamily="34" charset="0"/>
-                <a:cs typeface="Tahoma" panose="020B0604030504040204" pitchFamily="34" charset="0"/>
-              </a:rPr>
-              <a:t>сервер?</a:t>
-            </a:r>
-          </a:p>
-        </p:txBody>
-      </p:sp>
-      <p:sp>
-        <p:nvSpPr>
-          <p:cNvPr id="10" name="Google Shape;73;p15"/>
-          <p:cNvSpPr/>
-          <p:nvPr/>
-        </p:nvSpPr>
-        <p:spPr>
-          <a:xfrm>
-            <a:off x="0" y="5038200"/>
-            <a:ext cx="9144000" cy="105300"/>
-          </a:xfrm>
-          <a:prstGeom prst="rect">
-            <a:avLst/>
-          </a:prstGeom>
-          <a:solidFill>
-            <a:srgbClr val="662483"/>
-          </a:solidFill>
-          <a:ln w="9525" cap="flat" cmpd="sng">
-            <a:solidFill>
-              <a:srgbClr val="662483"/>
-            </a:solidFill>
-            <a:prstDash val="solid"/>
-            <a:round/>
-            <a:headEnd type="none" w="sm" len="sm"/>
-            <a:tailEnd type="none" w="sm" len="sm"/>
-          </a:ln>
-        </p:spPr>
-        <p:txBody>
-          <a:bodyPr spcFirstLastPara="1" wrap="square" lIns="91425" tIns="91425" rIns="91425" bIns="91425" anchor="ctr" anchorCtr="0">
-            <a:noAutofit/>
-          </a:bodyPr>
-          <a:lstStyle/>
-          <a:p>
-            <a:pPr marL="0" lvl="0" indent="0">
-              <a:spcBef>
-                <a:spcPts val="0"/>
-              </a:spcBef>
-              <a:spcAft>
-                <a:spcPts val="0"/>
-              </a:spcAft>
-              <a:buNone/>
-            </a:pPr>
-            <a:endParaRPr/>
-          </a:p>
-        </p:txBody>
-      </p:sp>
-      <p:grpSp>
-        <p:nvGrpSpPr>
-          <p:cNvPr id="11" name="Google Shape;63;p14"/>
-          <p:cNvGrpSpPr/>
-          <p:nvPr/>
-        </p:nvGrpSpPr>
-        <p:grpSpPr>
-          <a:xfrm>
-            <a:off x="0" y="0"/>
-            <a:ext cx="9144000" cy="633000"/>
-            <a:chOff x="125" y="215925"/>
-            <a:chExt cx="9144000" cy="633000"/>
-          </a:xfrm>
-        </p:grpSpPr>
-        <p:sp>
-          <p:nvSpPr>
-            <p:cNvPr id="12" name="Google Shape;64;p14"/>
-            <p:cNvSpPr/>
-            <p:nvPr/>
-          </p:nvSpPr>
-          <p:spPr>
-            <a:xfrm>
-              <a:off x="125" y="215925"/>
-              <a:ext cx="9144000" cy="633000"/>
-            </a:xfrm>
-            <a:prstGeom prst="rect">
-              <a:avLst/>
-            </a:prstGeom>
-            <a:solidFill>
-              <a:srgbClr val="88AF43"/>
-            </a:solidFill>
-            <a:ln w="9525" cap="flat" cmpd="sng">
-              <a:solidFill>
-                <a:srgbClr val="88AF43"/>
-              </a:solidFill>
-              <a:prstDash val="solid"/>
-              <a:round/>
-              <a:headEnd type="none" w="sm" len="sm"/>
-              <a:tailEnd type="none" w="sm" len="sm"/>
-            </a:ln>
-          </p:spPr>
-          <p:txBody>
-            <a:bodyPr spcFirstLastPara="1" wrap="square" lIns="91425" tIns="91425" rIns="91425" bIns="91425" anchor="ctr" anchorCtr="0">
-              <a:noAutofit/>
-            </a:bodyPr>
-            <a:lstStyle/>
-            <a:p>
-              <a:pPr marL="0" lvl="0" indent="0">
-                <a:spcBef>
-                  <a:spcPts val="0"/>
-                </a:spcBef>
-                <a:spcAft>
-                  <a:spcPts val="0"/>
-                </a:spcAft>
-                <a:buNone/>
-              </a:pPr>
-              <a:endParaRPr/>
-            </a:p>
-          </p:txBody>
-        </p:sp>
-        <p:sp>
-          <p:nvSpPr>
-            <p:cNvPr id="13" name="Google Shape;65;p14"/>
-            <p:cNvSpPr txBox="1"/>
-            <p:nvPr/>
-          </p:nvSpPr>
-          <p:spPr>
-            <a:xfrm>
-              <a:off x="181650" y="285825"/>
-              <a:ext cx="5786400" cy="493200"/>
-            </a:xfrm>
-            <a:prstGeom prst="rect">
-              <a:avLst/>
-            </a:prstGeom>
-            <a:noFill/>
-            <a:ln>
-              <a:noFill/>
-            </a:ln>
-          </p:spPr>
-          <p:txBody>
-            <a:bodyPr spcFirstLastPara="1" wrap="square" lIns="91425" tIns="91425" rIns="91425" bIns="91425" anchor="t" anchorCtr="0">
-              <a:noAutofit/>
-            </a:bodyPr>
-            <a:lstStyle/>
-            <a:p>
-              <a:pPr marL="0" lvl="0" indent="0" rtl="0">
-                <a:spcBef>
-                  <a:spcPts val="0"/>
-                </a:spcBef>
-                <a:spcAft>
-                  <a:spcPts val="0"/>
-                </a:spcAft>
-                <a:buNone/>
-              </a:pPr>
-              <a:r>
-                <a:rPr lang="ru-RU" sz="2000" dirty="0">
-                  <a:solidFill>
-                    <a:srgbClr val="FFFFFF"/>
-                  </a:solidFill>
-                  <a:latin typeface="Tahoma"/>
-                  <a:ea typeface="Tahoma"/>
-                  <a:cs typeface="Tahoma"/>
-                  <a:sym typeface="Tahoma"/>
-                </a:rPr>
-                <a:t>Вопросы для самоконтроля</a:t>
-              </a:r>
-              <a:endParaRPr lang="ru" sz="2000" dirty="0">
-                <a:solidFill>
-                  <a:srgbClr val="FFFFFF"/>
-                </a:solidFill>
-                <a:latin typeface="Tahoma"/>
-                <a:ea typeface="Tahoma"/>
-                <a:cs typeface="Tahoma"/>
-                <a:sym typeface="Tahoma"/>
-              </a:endParaRPr>
-            </a:p>
-          </p:txBody>
-        </p:sp>
-      </p:grpSp>
-    </p:spTree>
-    <p:extLst>
-      <p:ext uri="{BB962C8B-B14F-4D97-AF65-F5344CB8AC3E}">
-        <p14:creationId xmlns:p14="http://schemas.microsoft.com/office/powerpoint/2010/main" val="3930868350"/>
-      </p:ext>
-    </p:extLst>
-  </p:cSld>
-  <p:clrMapOvr>
-    <a:masterClrMapping/>
-  </p:clrMapOvr>
-</p:sld>
-</file>
-
-<file path=ppt/slides/slide15.xml><?xml version="1.0" encoding="utf-8"?>
-<p:sld xmlns:a="http://schemas.openxmlformats.org/drawingml/2006/main" xmlns:r="http://schemas.openxmlformats.org/officeDocument/2006/relationships" xmlns:p="http://schemas.openxmlformats.org/presentationml/2006/main">
-  <p:cSld>
-    <p:spTree>
-      <p:nvGrpSpPr>
         <p:cNvPr id="1" name=""/>
         <p:cNvGrpSpPr/>
         <p:nvPr/>
@@ -7473,18 +5668,6 @@
           <a:bodyPr/>
           <a:lstStyle/>
           <a:p>
-            <a:r>
-              <a:rPr lang="en-US" dirty="0">
-                <a:hlinkClick r:id="rId2"/>
-              </a:rPr>
-              <a:t>@</a:t>
-            </a:r>
-            <a:r>
-              <a:rPr lang="en-US" dirty="0" err="1">
-                <a:hlinkClick r:id="rId2"/>
-              </a:rPr>
-              <a:t>InnoAndrez</a:t>
-            </a:r>
             <a:endParaRPr lang="ru-RU" dirty="0"/>
           </a:p>
         </p:txBody>
